--- a/Placement/PLACEMENT.pptx
+++ b/Placement/PLACEMENT.pptx
@@ -9,8 +9,8 @@
     <p:sldId id="257" r:id="rId3"/>
     <p:sldId id="258" r:id="rId4"/>
     <p:sldId id="259" r:id="rId5"/>
-    <p:sldId id="262" r:id="rId6"/>
-    <p:sldId id="260" r:id="rId7"/>
+    <p:sldId id="260" r:id="rId6"/>
+    <p:sldId id="262" r:id="rId7"/>
     <p:sldId id="261" r:id="rId8"/>
     <p:sldId id="263" r:id="rId9"/>
   </p:sldIdLst>
@@ -111,6 +111,11 @@
       </a:defRPr>
     </a:lvl9pPr>
   </p:defaultTextStyle>
+  <p:extLst>
+    <p:ext uri="{EFAFB233-063F-42B5-8137-9DF3F51BA10A}">
+      <p15:sldGuideLst xmlns:p15="http://schemas.microsoft.com/office/powerpoint/2012/main"/>
+    </p:ext>
+  </p:extLst>
 </p:presentation>
 </file>
 
@@ -583,7 +588,7 @@
           <a:p>
             <a:fld id="{EA0C0817-A112-4847-8014-A94B7D2A4EA3}" type="datetime1">
               <a:rPr lang="en-US" smtClean="0"/>
-              <a:t>10/18/2019</a:t>
+              <a:t>10/21/2019</a:t>
             </a:fld>
             <a:endParaRPr lang="en-US" dirty="0"/>
           </a:p>
@@ -935,7 +940,7 @@
           <a:p>
             <a:fld id="{F6FA2B21-3FCD-4721-B95C-427943F61125}" type="datetime1">
               <a:rPr lang="en-US" smtClean="0"/>
-              <a:t>10/18/2019</a:t>
+              <a:t>10/21/2019</a:t>
             </a:fld>
             <a:endParaRPr lang="en-US"/>
           </a:p>
@@ -2340,12 +2345,12 @@
           <a:lstStyle/>
           <a:p>
             <a:r>
-              <a:rPr lang="en-GB" sz="4400">
+              <a:rPr lang="en-GB" sz="4400" dirty="0">
                 <a:solidFill>
                   <a:schemeClr val="tx1"/>
                 </a:solidFill>
               </a:rPr>
-              <a:t>Activities</a:t>
+              <a:t>Projects</a:t>
             </a:r>
           </a:p>
         </p:txBody>
@@ -2390,7 +2395,7 @@
       </p:grpSpPr>
       <p:sp>
         <p:nvSpPr>
-          <p:cNvPr id="71" name="Rectangle 70">
+          <p:cNvPr id="4103" name="Rectangle 81">
             <a:extLst>
               <a:ext uri="{FF2B5EF4-FFF2-40B4-BE49-F238E27FC236}">
                 <a16:creationId xmlns:a16="http://schemas.microsoft.com/office/drawing/2014/main" id="{EA4E4267-CAF0-4C38-8DC6-CD3B1A9F046E}"/>
@@ -2453,7 +2458,7 @@
       </p:sp>
       <p:sp>
         <p:nvSpPr>
-          <p:cNvPr id="73" name="Rectangle 72">
+          <p:cNvPr id="4104" name="Rectangle 83">
             <a:extLst>
               <a:ext uri="{FF2B5EF4-FFF2-40B4-BE49-F238E27FC236}">
                 <a16:creationId xmlns:a16="http://schemas.microsoft.com/office/drawing/2014/main" id="{0EE3ACC5-126D-4BA4-8B45-7F0B5B839C51}"/>
@@ -2519,7 +2524,7 @@
       </p:sp>
       <p:sp>
         <p:nvSpPr>
-          <p:cNvPr id="75" name="Rectangle 74">
+          <p:cNvPr id="86" name="Rectangle 85">
             <a:extLst>
               <a:ext uri="{FF2B5EF4-FFF2-40B4-BE49-F238E27FC236}">
                 <a16:creationId xmlns:a16="http://schemas.microsoft.com/office/drawing/2014/main" id="{AB2868F7-FE10-4289-A5BD-90763C7A2F5A}"/>
@@ -2585,7 +2590,7 @@
       </p:sp>
       <p:sp>
         <p:nvSpPr>
-          <p:cNvPr id="77" name="Rectangle 76">
+          <p:cNvPr id="88" name="Rectangle 87">
             <a:extLst>
               <a:ext uri="{FF2B5EF4-FFF2-40B4-BE49-F238E27FC236}">
                 <a16:creationId xmlns:a16="http://schemas.microsoft.com/office/drawing/2014/main" id="{BD94142C-10EE-487C-A327-404FDF358F22}"/>
@@ -2636,7 +2641,7 @@
       </p:sp>
       <p:sp>
         <p:nvSpPr>
-          <p:cNvPr id="79" name="Rectangle 78">
+          <p:cNvPr id="89" name="Rectangle 88">
             <a:extLst>
               <a:ext uri="{FF2B5EF4-FFF2-40B4-BE49-F238E27FC236}">
                 <a16:creationId xmlns:a16="http://schemas.microsoft.com/office/drawing/2014/main" id="{5F7FAC2D-7A74-4939-A917-A1A5AF935685}"/>
@@ -2681,7 +2686,7 @@
           <p:cNvPr id="2" name="Title 1">
             <a:extLst>
               <a:ext uri="{FF2B5EF4-FFF2-40B4-BE49-F238E27FC236}">
-                <a16:creationId xmlns:a16="http://schemas.microsoft.com/office/drawing/2014/main" id="{5A608FEC-7F72-4532-9B1E-4DE9B46C7975}"/>
+                <a16:creationId xmlns:a16="http://schemas.microsoft.com/office/drawing/2014/main" id="{7E5648B2-93A9-4A99-AD66-0E07E9DD79ED}"/>
               </a:ext>
             </a:extLst>
           </p:cNvPr>
@@ -2710,14 +2715,19 @@
                   <a:schemeClr val="bg1"/>
                 </a:solidFill>
               </a:rPr>
-              <a:t>Mistakes made</a:t>
+              <a:t>Skills</a:t>
             </a:r>
+            <a:endParaRPr lang="en-GB" sz="4800" dirty="0">
+              <a:solidFill>
+                <a:schemeClr val="bg1"/>
+              </a:solidFill>
+            </a:endParaRPr>
           </a:p>
         </p:txBody>
       </p:sp>
       <p:sp>
         <p:nvSpPr>
-          <p:cNvPr id="81" name="Rectangle 80">
+          <p:cNvPr id="91" name="Rectangle 90">
             <a:extLst>
               <a:ext uri="{FF2B5EF4-FFF2-40B4-BE49-F238E27FC236}">
                 <a16:creationId xmlns:a16="http://schemas.microsoft.com/office/drawing/2014/main" id="{BA53A868-C420-4BAE-9244-EC162AF05CFC}"/>
@@ -2772,7 +2782,7 @@
       </p:sp>
       <p:cxnSp>
         <p:nvCxnSpPr>
-          <p:cNvPr id="83" name="Straight Connector 82">
+          <p:cNvPr id="93" name="Straight Connector 92">
             <a:extLst>
               <a:ext uri="{FF2B5EF4-FFF2-40B4-BE49-F238E27FC236}">
                 <a16:creationId xmlns:a16="http://schemas.microsoft.com/office/drawing/2014/main" id="{C2686EF3-81CC-419F-96C3-002A75880309}"/>
@@ -2831,7 +2841,7 @@
       </p:cxnSp>
       <p:cxnSp>
         <p:nvCxnSpPr>
-          <p:cNvPr id="85" name="Straight Connector 84">
+          <p:cNvPr id="95" name="Straight Connector 94">
             <a:extLst>
               <a:ext uri="{FF2B5EF4-FFF2-40B4-BE49-F238E27FC236}">
                 <a16:creationId xmlns:a16="http://schemas.microsoft.com/office/drawing/2014/main" id="{F8D93CCA-A85E-4529-A6F0-8BB54D27BCD1}"/>
@@ -2890,7 +2900,7 @@
       </p:cxnSp>
       <p:cxnSp>
         <p:nvCxnSpPr>
-          <p:cNvPr id="87" name="Straight Connector 86">
+          <p:cNvPr id="97" name="Straight Connector 96">
             <a:extLst>
               <a:ext uri="{FF2B5EF4-FFF2-40B4-BE49-F238E27FC236}">
                 <a16:creationId xmlns:a16="http://schemas.microsoft.com/office/drawing/2014/main" id="{1ECFA516-C18C-41AE-AFF2-A0D0A59C9E90}"/>
@@ -2949,10 +2959,10 @@
       </p:cxnSp>
       <p:pic>
         <p:nvPicPr>
-          <p:cNvPr id="3074" name="Picture 2" descr="Image result for mistake">
-            <a:extLst>
-              <a:ext uri="{FF2B5EF4-FFF2-40B4-BE49-F238E27FC236}">
-                <a16:creationId xmlns:a16="http://schemas.microsoft.com/office/drawing/2014/main" id="{CA1EDE09-368F-4118-AA1E-4D5BF2C59576}"/>
+          <p:cNvPr id="25" name="Picture 2" descr="Image result for skills">
+            <a:extLst>
+              <a:ext uri="{FF2B5EF4-FFF2-40B4-BE49-F238E27FC236}">
+                <a16:creationId xmlns:a16="http://schemas.microsoft.com/office/drawing/2014/main" id="{14835E5A-66B4-40C5-9557-E3CD3FC490E1}"/>
               </a:ext>
             </a:extLst>
           </p:cNvPr>
@@ -2975,8 +2985,8 @@
         </p:blipFill>
         <p:spPr bwMode="auto">
           <a:xfrm>
-            <a:off x="5346570" y="1357441"/>
-            <a:ext cx="6202238" cy="4139993"/>
+            <a:off x="5346570" y="1365193"/>
+            <a:ext cx="6202238" cy="4124488"/>
           </a:xfrm>
           <a:prstGeom prst="rect">
             <a:avLst/>
@@ -2996,7 +3006,7 @@
     </p:spTree>
     <p:extLst>
       <p:ext uri="{BB962C8B-B14F-4D97-AF65-F5344CB8AC3E}">
-        <p14:creationId xmlns:p14="http://schemas.microsoft.com/office/powerpoint/2010/main" val="3293066591"/>
+        <p14:creationId xmlns:p14="http://schemas.microsoft.com/office/powerpoint/2010/main" val="1022444965"/>
       </p:ext>
     </p:extLst>
   </p:cSld>
@@ -3033,7 +3043,7 @@
       </p:grpSpPr>
       <p:sp>
         <p:nvSpPr>
-          <p:cNvPr id="4100" name="Rectangle 70">
+          <p:cNvPr id="71" name="Rectangle 70">
             <a:extLst>
               <a:ext uri="{FF2B5EF4-FFF2-40B4-BE49-F238E27FC236}">
                 <a16:creationId xmlns:a16="http://schemas.microsoft.com/office/drawing/2014/main" id="{EA4E4267-CAF0-4C38-8DC6-CD3B1A9F046E}"/>
@@ -3096,7 +3106,7 @@
       </p:sp>
       <p:sp>
         <p:nvSpPr>
-          <p:cNvPr id="4101" name="Rectangle 72">
+          <p:cNvPr id="73" name="Rectangle 72">
             <a:extLst>
               <a:ext uri="{FF2B5EF4-FFF2-40B4-BE49-F238E27FC236}">
                 <a16:creationId xmlns:a16="http://schemas.microsoft.com/office/drawing/2014/main" id="{0EE3ACC5-126D-4BA4-8B45-7F0B5B839C51}"/>
@@ -3324,7 +3334,7 @@
           <p:cNvPr id="2" name="Title 1">
             <a:extLst>
               <a:ext uri="{FF2B5EF4-FFF2-40B4-BE49-F238E27FC236}">
-                <a16:creationId xmlns:a16="http://schemas.microsoft.com/office/drawing/2014/main" id="{7E5648B2-93A9-4A99-AD66-0E07E9DD79ED}"/>
+                <a16:creationId xmlns:a16="http://schemas.microsoft.com/office/drawing/2014/main" id="{5A608FEC-7F72-4532-9B1E-4DE9B46C7975}"/>
               </a:ext>
             </a:extLst>
           </p:cNvPr>
@@ -3353,7 +3363,7 @@
                   <a:schemeClr val="bg1"/>
                 </a:solidFill>
               </a:rPr>
-              <a:t>Skills I gained</a:t>
+              <a:t>Mistakes made</a:t>
             </a:r>
           </a:p>
         </p:txBody>
@@ -3592,10 +3602,10 @@
       </p:cxnSp>
       <p:pic>
         <p:nvPicPr>
-          <p:cNvPr id="4098" name="Picture 2" descr="Image result for skills">
-            <a:extLst>
-              <a:ext uri="{FF2B5EF4-FFF2-40B4-BE49-F238E27FC236}">
-                <a16:creationId xmlns:a16="http://schemas.microsoft.com/office/drawing/2014/main" id="{E041F799-3AAF-4428-8E02-B8D72DA488F0}"/>
+          <p:cNvPr id="3074" name="Picture 2" descr="Image result for mistake">
+            <a:extLst>
+              <a:ext uri="{FF2B5EF4-FFF2-40B4-BE49-F238E27FC236}">
+                <a16:creationId xmlns:a16="http://schemas.microsoft.com/office/drawing/2014/main" id="{CA1EDE09-368F-4118-AA1E-4D5BF2C59576}"/>
               </a:ext>
             </a:extLst>
           </p:cNvPr>
@@ -3618,8 +3628,8 @@
         </p:blipFill>
         <p:spPr bwMode="auto">
           <a:xfrm>
-            <a:off x="5665357" y="645106"/>
-            <a:ext cx="5564663" cy="5564663"/>
+            <a:off x="5346570" y="1357441"/>
+            <a:ext cx="6202238" cy="4139993"/>
           </a:xfrm>
           <a:prstGeom prst="rect">
             <a:avLst/>
@@ -3639,7 +3649,7 @@
     </p:spTree>
     <p:extLst>
       <p:ext uri="{BB962C8B-B14F-4D97-AF65-F5344CB8AC3E}">
-        <p14:creationId xmlns:p14="http://schemas.microsoft.com/office/powerpoint/2010/main" val="1022444965"/>
+        <p14:creationId xmlns:p14="http://schemas.microsoft.com/office/powerpoint/2010/main" val="3293066591"/>
       </p:ext>
     </p:extLst>
   </p:cSld>
